--- a/Presentation.pptx
+++ b/Presentation.pptx
@@ -180,7 +180,7 @@
           <a:noFill/>
           <a:extLst>
             <a:ext uri="{909E8E84-426E-40dd-AFC4-6F175D3DCCD1}">
-              <a14:hiddenFill xmlns:a14="http://schemas.microsoft.com/office/drawing/2010/main" xmlns="">
+              <a14:hiddenFill xmlns="" xmlns:a14="http://schemas.microsoft.com/office/drawing/2010/main">
                 <a:solidFill>
                   <a:srgbClr val="FFFFFF"/>
                 </a:solidFill>
@@ -239,7 +239,7 @@
             </a:ln>
             <a:extLst>
               <a:ext uri="{91240B29-F687-4f45-9708-019B960494DF}">
-                <a14:hiddenLine xmlns:a14="http://schemas.microsoft.com/office/drawing/2010/main" xmlns="" w="9525">
+                <a14:hiddenLine xmlns="" xmlns:a14="http://schemas.microsoft.com/office/drawing/2010/main" w="9525">
                   <a:solidFill>
                     <a:srgbClr val="000000"/>
                   </a:solidFill>
@@ -329,7 +329,7 @@
             </a:ln>
             <a:extLst>
               <a:ext uri="{91240B29-F687-4f45-9708-019B960494DF}">
-                <a14:hiddenLine xmlns:a14="http://schemas.microsoft.com/office/drawing/2010/main" xmlns="" w="9525">
+                <a14:hiddenLine xmlns="" xmlns:a14="http://schemas.microsoft.com/office/drawing/2010/main" w="9525">
                   <a:solidFill>
                     <a:srgbClr val="000000"/>
                   </a:solidFill>
@@ -419,7 +419,7 @@
             </a:ln>
             <a:extLst>
               <a:ext uri="{91240B29-F687-4f45-9708-019B960494DF}">
-                <a14:hiddenLine xmlns:a14="http://schemas.microsoft.com/office/drawing/2010/main" xmlns="" w="9525">
+                <a14:hiddenLine xmlns="" xmlns:a14="http://schemas.microsoft.com/office/drawing/2010/main" w="9525">
                   <a:solidFill>
                     <a:srgbClr val="000000"/>
                   </a:solidFill>
@@ -453,7 +453,7 @@
             </a:ln>
             <a:extLst>
               <a:ext uri="{91240B29-F687-4f45-9708-019B960494DF}">
-                <a14:hiddenLine xmlns:a14="http://schemas.microsoft.com/office/drawing/2010/main" xmlns="" w="9525">
+                <a14:hiddenLine xmlns="" xmlns:a14="http://schemas.microsoft.com/office/drawing/2010/main" w="9525">
                   <a:solidFill>
                     <a:srgbClr val="000000"/>
                   </a:solidFill>
@@ -543,7 +543,7 @@
             </a:ln>
             <a:extLst>
               <a:ext uri="{91240B29-F687-4f45-9708-019B960494DF}">
-                <a14:hiddenLine xmlns:a14="http://schemas.microsoft.com/office/drawing/2010/main" xmlns="" w="9525">
+                <a14:hiddenLine xmlns="" xmlns:a14="http://schemas.microsoft.com/office/drawing/2010/main" w="9525">
                   <a:solidFill>
                     <a:srgbClr val="000000"/>
                   </a:solidFill>
@@ -605,7 +605,7 @@
             </a:ln>
             <a:extLst>
               <a:ext uri="{91240B29-F687-4f45-9708-019B960494DF}">
-                <a14:hiddenLine xmlns:a14="http://schemas.microsoft.com/office/drawing/2010/main" xmlns="" w="9525">
+                <a14:hiddenLine xmlns="" xmlns:a14="http://schemas.microsoft.com/office/drawing/2010/main" w="9525">
                   <a:solidFill>
                     <a:srgbClr val="000000"/>
                   </a:solidFill>
@@ -667,7 +667,7 @@
             </a:ln>
             <a:extLst>
               <a:ext uri="{91240B29-F687-4f45-9708-019B960494DF}">
-                <a14:hiddenLine xmlns:a14="http://schemas.microsoft.com/office/drawing/2010/main" xmlns="" w="9525">
+                <a14:hiddenLine xmlns="" xmlns:a14="http://schemas.microsoft.com/office/drawing/2010/main" w="9525">
                   <a:solidFill>
                     <a:srgbClr val="000000"/>
                   </a:solidFill>
@@ -757,7 +757,7 @@
             </a:ln>
             <a:extLst>
               <a:ext uri="{91240B29-F687-4f45-9708-019B960494DF}">
-                <a14:hiddenLine xmlns:a14="http://schemas.microsoft.com/office/drawing/2010/main" xmlns="" w="9525">
+                <a14:hiddenLine xmlns="" xmlns:a14="http://schemas.microsoft.com/office/drawing/2010/main" w="9525">
                   <a:solidFill>
                     <a:srgbClr val="000000"/>
                   </a:solidFill>
@@ -819,7 +819,7 @@
             </a:ln>
             <a:extLst>
               <a:ext uri="{91240B29-F687-4f45-9708-019B960494DF}">
-                <a14:hiddenLine xmlns:a14="http://schemas.microsoft.com/office/drawing/2010/main" xmlns="" w="9525">
+                <a14:hiddenLine xmlns="" xmlns:a14="http://schemas.microsoft.com/office/drawing/2010/main" w="9525">
                   <a:solidFill>
                     <a:srgbClr val="000000"/>
                   </a:solidFill>
@@ -881,7 +881,7 @@
             </a:ln>
             <a:extLst>
               <a:ext uri="{91240B29-F687-4f45-9708-019B960494DF}">
-                <a14:hiddenLine xmlns:a14="http://schemas.microsoft.com/office/drawing/2010/main" xmlns="" w="9525">
+                <a14:hiddenLine xmlns="" xmlns:a14="http://schemas.microsoft.com/office/drawing/2010/main" w="9525">
                   <a:solidFill>
                     <a:srgbClr val="000000"/>
                   </a:solidFill>
@@ -971,7 +971,7 @@
             </a:ln>
             <a:extLst>
               <a:ext uri="{91240B29-F687-4f45-9708-019B960494DF}">
-                <a14:hiddenLine xmlns:a14="http://schemas.microsoft.com/office/drawing/2010/main" xmlns="" w="9525">
+                <a14:hiddenLine xmlns="" xmlns:a14="http://schemas.microsoft.com/office/drawing/2010/main" w="9525">
                   <a:solidFill>
                     <a:srgbClr val="000000"/>
                   </a:solidFill>
@@ -1061,7 +1061,7 @@
             </a:ln>
             <a:extLst>
               <a:ext uri="{91240B29-F687-4f45-9708-019B960494DF}">
-                <a14:hiddenLine xmlns:a14="http://schemas.microsoft.com/office/drawing/2010/main" xmlns="" w="9525">
+                <a14:hiddenLine xmlns="" xmlns:a14="http://schemas.microsoft.com/office/drawing/2010/main" w="9525">
                   <a:solidFill>
                     <a:srgbClr val="000000"/>
                   </a:solidFill>
@@ -1123,7 +1123,7 @@
             </a:ln>
             <a:extLst>
               <a:ext uri="{91240B29-F687-4f45-9708-019B960494DF}">
-                <a14:hiddenLine xmlns:a14="http://schemas.microsoft.com/office/drawing/2010/main" xmlns="" w="9525">
+                <a14:hiddenLine xmlns="" xmlns:a14="http://schemas.microsoft.com/office/drawing/2010/main" w="9525">
                   <a:solidFill>
                     <a:srgbClr val="000000"/>
                   </a:solidFill>
@@ -1233,7 +1233,7 @@
             </a:ln>
             <a:extLst>
               <a:ext uri="{91240B29-F687-4f45-9708-019B960494DF}">
-                <a14:hiddenLine xmlns:a14="http://schemas.microsoft.com/office/drawing/2010/main" xmlns="" w="9525">
+                <a14:hiddenLine xmlns="" xmlns:a14="http://schemas.microsoft.com/office/drawing/2010/main" w="9525">
                   <a:solidFill>
                     <a:srgbClr val="000000"/>
                   </a:solidFill>
@@ -1295,7 +1295,7 @@
             </a:ln>
             <a:extLst>
               <a:ext uri="{91240B29-F687-4f45-9708-019B960494DF}">
-                <a14:hiddenLine xmlns:a14="http://schemas.microsoft.com/office/drawing/2010/main" xmlns="" w="9525">
+                <a14:hiddenLine xmlns="" xmlns:a14="http://schemas.microsoft.com/office/drawing/2010/main" w="9525">
                   <a:solidFill>
                     <a:srgbClr val="000000"/>
                   </a:solidFill>
@@ -1385,7 +1385,7 @@
             </a:ln>
             <a:extLst>
               <a:ext uri="{91240B29-F687-4f45-9708-019B960494DF}">
-                <a14:hiddenLine xmlns:a14="http://schemas.microsoft.com/office/drawing/2010/main" xmlns="" w="9525">
+                <a14:hiddenLine xmlns="" xmlns:a14="http://schemas.microsoft.com/office/drawing/2010/main" w="9525">
                   <a:solidFill>
                     <a:srgbClr val="000000"/>
                   </a:solidFill>
@@ -1475,7 +1475,7 @@
             </a:ln>
             <a:extLst>
               <a:ext uri="{91240B29-F687-4f45-9708-019B960494DF}">
-                <a14:hiddenLine xmlns:a14="http://schemas.microsoft.com/office/drawing/2010/main" xmlns="" w="9525">
+                <a14:hiddenLine xmlns="" xmlns:a14="http://schemas.microsoft.com/office/drawing/2010/main" w="9525">
                   <a:solidFill>
                     <a:srgbClr val="000000"/>
                   </a:solidFill>
@@ -1537,7 +1537,7 @@
             </a:ln>
             <a:extLst>
               <a:ext uri="{91240B29-F687-4f45-9708-019B960494DF}">
-                <a14:hiddenLine xmlns:a14="http://schemas.microsoft.com/office/drawing/2010/main" xmlns="" w="9525">
+                <a14:hiddenLine xmlns="" xmlns:a14="http://schemas.microsoft.com/office/drawing/2010/main" w="9525">
                   <a:solidFill>
                     <a:srgbClr val="000000"/>
                   </a:solidFill>
@@ -1627,7 +1627,7 @@
             </a:ln>
             <a:extLst>
               <a:ext uri="{91240B29-F687-4f45-9708-019B960494DF}">
-                <a14:hiddenLine xmlns:a14="http://schemas.microsoft.com/office/drawing/2010/main" xmlns="" w="9525">
+                <a14:hiddenLine xmlns="" xmlns:a14="http://schemas.microsoft.com/office/drawing/2010/main" w="9525">
                   <a:solidFill>
                     <a:srgbClr val="000000"/>
                   </a:solidFill>
@@ -1717,7 +1717,7 @@
             </a:ln>
             <a:extLst>
               <a:ext uri="{91240B29-F687-4f45-9708-019B960494DF}">
-                <a14:hiddenLine xmlns:a14="http://schemas.microsoft.com/office/drawing/2010/main" xmlns="" w="9525">
+                <a14:hiddenLine xmlns="" xmlns:a14="http://schemas.microsoft.com/office/drawing/2010/main" w="9525">
                   <a:solidFill>
                     <a:srgbClr val="000000"/>
                   </a:solidFill>
@@ -1773,7 +1773,7 @@
             </a:ln>
             <a:extLst>
               <a:ext uri="{91240B29-F687-4f45-9708-019B960494DF}">
-                <a14:hiddenLine xmlns:a14="http://schemas.microsoft.com/office/drawing/2010/main" xmlns="" w="9525">
+                <a14:hiddenLine xmlns="" xmlns:a14="http://schemas.microsoft.com/office/drawing/2010/main" w="9525">
                   <a:solidFill>
                     <a:srgbClr val="000000"/>
                   </a:solidFill>
@@ -1863,7 +1863,7 @@
             </a:ln>
             <a:extLst>
               <a:ext uri="{91240B29-F687-4f45-9708-019B960494DF}">
-                <a14:hiddenLine xmlns:a14="http://schemas.microsoft.com/office/drawing/2010/main" xmlns="" w="9525">
+                <a14:hiddenLine xmlns="" xmlns:a14="http://schemas.microsoft.com/office/drawing/2010/main" w="9525">
                   <a:solidFill>
                     <a:srgbClr val="000000"/>
                   </a:solidFill>
@@ -1919,7 +1919,7 @@
             </a:ln>
             <a:extLst>
               <a:ext uri="{91240B29-F687-4f45-9708-019B960494DF}">
-                <a14:hiddenLine xmlns:a14="http://schemas.microsoft.com/office/drawing/2010/main" xmlns="" w="9525">
+                <a14:hiddenLine xmlns="" xmlns:a14="http://schemas.microsoft.com/office/drawing/2010/main" w="9525">
                   <a:solidFill>
                     <a:srgbClr val="000000"/>
                   </a:solidFill>
@@ -2009,7 +2009,7 @@
             </a:ln>
             <a:extLst>
               <a:ext uri="{91240B29-F687-4f45-9708-019B960494DF}">
-                <a14:hiddenLine xmlns:a14="http://schemas.microsoft.com/office/drawing/2010/main" xmlns="" w="9525">
+                <a14:hiddenLine xmlns="" xmlns:a14="http://schemas.microsoft.com/office/drawing/2010/main" w="9525">
                   <a:solidFill>
                     <a:srgbClr val="000000"/>
                   </a:solidFill>
@@ -2077,7 +2077,7 @@
             </a:ln>
             <a:extLst>
               <a:ext uri="{91240B29-F687-4f45-9708-019B960494DF}">
-                <a14:hiddenLine xmlns:a14="http://schemas.microsoft.com/office/drawing/2010/main" xmlns="" w="9525">
+                <a14:hiddenLine xmlns="" xmlns:a14="http://schemas.microsoft.com/office/drawing/2010/main" w="9525">
                   <a:solidFill>
                     <a:srgbClr val="000000"/>
                   </a:solidFill>
@@ -2167,7 +2167,7 @@
             </a:ln>
             <a:extLst>
               <a:ext uri="{91240B29-F687-4f45-9708-019B960494DF}">
-                <a14:hiddenLine xmlns:a14="http://schemas.microsoft.com/office/drawing/2010/main" xmlns="" w="9525">
+                <a14:hiddenLine xmlns="" xmlns:a14="http://schemas.microsoft.com/office/drawing/2010/main" w="9525">
                   <a:solidFill>
                     <a:srgbClr val="000000"/>
                   </a:solidFill>
@@ -2235,7 +2235,7 @@
             </a:ln>
             <a:extLst>
               <a:ext uri="{91240B29-F687-4f45-9708-019B960494DF}">
-                <a14:hiddenLine xmlns:a14="http://schemas.microsoft.com/office/drawing/2010/main" xmlns="" w="9525">
+                <a14:hiddenLine xmlns="" xmlns:a14="http://schemas.microsoft.com/office/drawing/2010/main" w="9525">
                   <a:solidFill>
                     <a:srgbClr val="000000"/>
                   </a:solidFill>
@@ -2325,7 +2325,7 @@
             </a:ln>
             <a:extLst>
               <a:ext uri="{91240B29-F687-4f45-9708-019B960494DF}">
-                <a14:hiddenLine xmlns:a14="http://schemas.microsoft.com/office/drawing/2010/main" xmlns="" w="9525">
+                <a14:hiddenLine xmlns="" xmlns:a14="http://schemas.microsoft.com/office/drawing/2010/main" w="9525">
                   <a:solidFill>
                     <a:srgbClr val="000000"/>
                   </a:solidFill>
@@ -2359,7 +2359,7 @@
             </a:ln>
             <a:extLst>
               <a:ext uri="{91240B29-F687-4f45-9708-019B960494DF}">
-                <a14:hiddenLine xmlns:a14="http://schemas.microsoft.com/office/drawing/2010/main" xmlns="" w="9525">
+                <a14:hiddenLine xmlns="" xmlns:a14="http://schemas.microsoft.com/office/drawing/2010/main" w="9525">
                   <a:solidFill>
                     <a:srgbClr val="000000"/>
                   </a:solidFill>
@@ -2449,7 +2449,7 @@
             </a:ln>
             <a:extLst>
               <a:ext uri="{91240B29-F687-4f45-9708-019B960494DF}">
-                <a14:hiddenLine xmlns:a14="http://schemas.microsoft.com/office/drawing/2010/main" xmlns="" w="9525">
+                <a14:hiddenLine xmlns="" xmlns:a14="http://schemas.microsoft.com/office/drawing/2010/main" w="9525">
                   <a:solidFill>
                     <a:srgbClr val="000000"/>
                   </a:solidFill>
@@ -2511,7 +2511,7 @@
             </a:ln>
             <a:extLst>
               <a:ext uri="{91240B29-F687-4f45-9708-019B960494DF}">
-                <a14:hiddenLine xmlns:a14="http://schemas.microsoft.com/office/drawing/2010/main" xmlns="" w="9525">
+                <a14:hiddenLine xmlns="" xmlns:a14="http://schemas.microsoft.com/office/drawing/2010/main" w="9525">
                   <a:solidFill>
                     <a:srgbClr val="000000"/>
                   </a:solidFill>
@@ -2573,7 +2573,7 @@
             </a:ln>
             <a:extLst>
               <a:ext uri="{91240B29-F687-4f45-9708-019B960494DF}">
-                <a14:hiddenLine xmlns:a14="http://schemas.microsoft.com/office/drawing/2010/main" xmlns="" w="9525">
+                <a14:hiddenLine xmlns="" xmlns:a14="http://schemas.microsoft.com/office/drawing/2010/main" w="9525">
                   <a:solidFill>
                     <a:srgbClr val="000000"/>
                   </a:solidFill>
@@ -2663,7 +2663,7 @@
             </a:ln>
             <a:extLst>
               <a:ext uri="{91240B29-F687-4f45-9708-019B960494DF}">
-                <a14:hiddenLine xmlns:a14="http://schemas.microsoft.com/office/drawing/2010/main" xmlns="" w="9525">
+                <a14:hiddenLine xmlns="" xmlns:a14="http://schemas.microsoft.com/office/drawing/2010/main" w="9525">
                   <a:solidFill>
                     <a:srgbClr val="000000"/>
                   </a:solidFill>
@@ -2731,7 +2731,7 @@
             </a:ln>
             <a:extLst>
               <a:ext uri="{91240B29-F687-4f45-9708-019B960494DF}">
-                <a14:hiddenLine xmlns:a14="http://schemas.microsoft.com/office/drawing/2010/main" xmlns="" w="9525">
+                <a14:hiddenLine xmlns="" xmlns:a14="http://schemas.microsoft.com/office/drawing/2010/main" w="9525">
                   <a:solidFill>
                     <a:srgbClr val="000000"/>
                   </a:solidFill>
@@ -2793,7 +2793,7 @@
             </a:ln>
             <a:extLst>
               <a:ext uri="{91240B29-F687-4f45-9708-019B960494DF}">
-                <a14:hiddenLine xmlns:a14="http://schemas.microsoft.com/office/drawing/2010/main" xmlns="" w="9525">
+                <a14:hiddenLine xmlns="" xmlns:a14="http://schemas.microsoft.com/office/drawing/2010/main" w="9525">
                   <a:solidFill>
                     <a:srgbClr val="000000"/>
                   </a:solidFill>
@@ -2883,7 +2883,7 @@
             </a:ln>
             <a:extLst>
               <a:ext uri="{91240B29-F687-4f45-9708-019B960494DF}">
-                <a14:hiddenLine xmlns:a14="http://schemas.microsoft.com/office/drawing/2010/main" xmlns="" w="9525">
+                <a14:hiddenLine xmlns="" xmlns:a14="http://schemas.microsoft.com/office/drawing/2010/main" w="9525">
                   <a:solidFill>
                     <a:srgbClr val="000000"/>
                   </a:solidFill>
@@ -2945,7 +2945,7 @@
             </a:ln>
             <a:extLst>
               <a:ext uri="{91240B29-F687-4f45-9708-019B960494DF}">
-                <a14:hiddenLine xmlns:a14="http://schemas.microsoft.com/office/drawing/2010/main" xmlns="" w="9525">
+                <a14:hiddenLine xmlns="" xmlns:a14="http://schemas.microsoft.com/office/drawing/2010/main" w="9525">
                   <a:solidFill>
                     <a:srgbClr val="000000"/>
                   </a:solidFill>
@@ -3035,7 +3035,7 @@
             </a:ln>
             <a:extLst>
               <a:ext uri="{91240B29-F687-4f45-9708-019B960494DF}">
-                <a14:hiddenLine xmlns:a14="http://schemas.microsoft.com/office/drawing/2010/main" xmlns="" w="9525">
+                <a14:hiddenLine xmlns="" xmlns:a14="http://schemas.microsoft.com/office/drawing/2010/main" w="9525">
                   <a:solidFill>
                     <a:srgbClr val="000000"/>
                   </a:solidFill>
@@ -3097,7 +3097,7 @@
             </a:ln>
             <a:extLst>
               <a:ext uri="{91240B29-F687-4f45-9708-019B960494DF}">
-                <a14:hiddenLine xmlns:a14="http://schemas.microsoft.com/office/drawing/2010/main" xmlns="" w="9525">
+                <a14:hiddenLine xmlns="" xmlns:a14="http://schemas.microsoft.com/office/drawing/2010/main" w="9525">
                   <a:solidFill>
                     <a:srgbClr val="000000"/>
                   </a:solidFill>
@@ -3187,7 +3187,7 @@
             </a:ln>
             <a:extLst>
               <a:ext uri="{91240B29-F687-4f45-9708-019B960494DF}">
-                <a14:hiddenLine xmlns:a14="http://schemas.microsoft.com/office/drawing/2010/main" xmlns="" w="9525">
+                <a14:hiddenLine xmlns="" xmlns:a14="http://schemas.microsoft.com/office/drawing/2010/main" w="9525">
                   <a:solidFill>
                     <a:srgbClr val="000000"/>
                   </a:solidFill>
@@ -3221,7 +3221,7 @@
             </a:ln>
             <a:extLst>
               <a:ext uri="{91240B29-F687-4f45-9708-019B960494DF}">
-                <a14:hiddenLine xmlns:a14="http://schemas.microsoft.com/office/drawing/2010/main" xmlns="" w="9525">
+                <a14:hiddenLine xmlns="" xmlns:a14="http://schemas.microsoft.com/office/drawing/2010/main" w="9525">
                   <a:solidFill>
                     <a:srgbClr val="000000"/>
                   </a:solidFill>
@@ -3286,7 +3286,7 @@
             </a:ln>
             <a:extLst>
               <a:ext uri="{91240B29-F687-4f45-9708-019B960494DF}">
-                <a14:hiddenLine xmlns:a14="http://schemas.microsoft.com/office/drawing/2010/main" xmlns="" w="9525">
+                <a14:hiddenLine xmlns="" xmlns:a14="http://schemas.microsoft.com/office/drawing/2010/main" w="9525">
                   <a:solidFill>
                     <a:srgbClr val="000000"/>
                   </a:solidFill>
@@ -3376,7 +3376,7 @@
             </a:ln>
             <a:extLst>
               <a:ext uri="{91240B29-F687-4f45-9708-019B960494DF}">
-                <a14:hiddenLine xmlns:a14="http://schemas.microsoft.com/office/drawing/2010/main" xmlns="" w="9525">
+                <a14:hiddenLine xmlns="" xmlns:a14="http://schemas.microsoft.com/office/drawing/2010/main" w="9525">
                   <a:solidFill>
                     <a:srgbClr val="000000"/>
                   </a:solidFill>
@@ -3438,7 +3438,7 @@
             </a:ln>
             <a:extLst>
               <a:ext uri="{91240B29-F687-4f45-9708-019B960494DF}">
-                <a14:hiddenLine xmlns:a14="http://schemas.microsoft.com/office/drawing/2010/main" xmlns="" w="9525">
+                <a14:hiddenLine xmlns="" xmlns:a14="http://schemas.microsoft.com/office/drawing/2010/main" w="9525">
                   <a:solidFill>
                     <a:srgbClr val="000000"/>
                   </a:solidFill>
@@ -3528,7 +3528,7 @@
             </a:ln>
             <a:extLst>
               <a:ext uri="{91240B29-F687-4f45-9708-019B960494DF}">
-                <a14:hiddenLine xmlns:a14="http://schemas.microsoft.com/office/drawing/2010/main" xmlns="" w="9525">
+                <a14:hiddenLine xmlns="" xmlns:a14="http://schemas.microsoft.com/office/drawing/2010/main" w="9525">
                   <a:solidFill>
                     <a:srgbClr val="000000"/>
                   </a:solidFill>
@@ -3618,7 +3618,7 @@
             </a:ln>
             <a:extLst>
               <a:ext uri="{91240B29-F687-4f45-9708-019B960494DF}">
-                <a14:hiddenLine xmlns:a14="http://schemas.microsoft.com/office/drawing/2010/main" xmlns="" w="9525">
+                <a14:hiddenLine xmlns="" xmlns:a14="http://schemas.microsoft.com/office/drawing/2010/main" w="9525">
                   <a:solidFill>
                     <a:srgbClr val="000000"/>
                   </a:solidFill>
@@ -3683,7 +3683,7 @@
             </a:ln>
             <a:extLst>
               <a:ext uri="{91240B29-F687-4f45-9708-019B960494DF}">
-                <a14:hiddenLine xmlns:a14="http://schemas.microsoft.com/office/drawing/2010/main" xmlns="" w="9525">
+                <a14:hiddenLine xmlns="" xmlns:a14="http://schemas.microsoft.com/office/drawing/2010/main" w="9525">
                   <a:solidFill>
                     <a:srgbClr val="000000"/>
                   </a:solidFill>
@@ -3745,7 +3745,7 @@
             </a:ln>
             <a:extLst>
               <a:ext uri="{91240B29-F687-4f45-9708-019B960494DF}">
-                <a14:hiddenLine xmlns:a14="http://schemas.microsoft.com/office/drawing/2010/main" xmlns="" w="9525">
+                <a14:hiddenLine xmlns="" xmlns:a14="http://schemas.microsoft.com/office/drawing/2010/main" w="9525">
                   <a:solidFill>
                     <a:srgbClr val="000000"/>
                   </a:solidFill>
@@ -3835,7 +3835,7 @@
             </a:ln>
             <a:extLst>
               <a:ext uri="{91240B29-F687-4f45-9708-019B960494DF}">
-                <a14:hiddenLine xmlns:a14="http://schemas.microsoft.com/office/drawing/2010/main" xmlns="" w="9525">
+                <a14:hiddenLine xmlns="" xmlns:a14="http://schemas.microsoft.com/office/drawing/2010/main" w="9525">
                   <a:solidFill>
                     <a:srgbClr val="000000"/>
                   </a:solidFill>
@@ -3925,7 +3925,7 @@
             </a:ln>
             <a:extLst>
               <a:ext uri="{91240B29-F687-4f45-9708-019B960494DF}">
-                <a14:hiddenLine xmlns:a14="http://schemas.microsoft.com/office/drawing/2010/main" xmlns="" w="9525">
+                <a14:hiddenLine xmlns="" xmlns:a14="http://schemas.microsoft.com/office/drawing/2010/main" w="9525">
                   <a:solidFill>
                     <a:srgbClr val="000000"/>
                   </a:solidFill>
@@ -3987,7 +3987,7 @@
             </a:ln>
             <a:extLst>
               <a:ext uri="{91240B29-F687-4f45-9708-019B960494DF}">
-                <a14:hiddenLine xmlns:a14="http://schemas.microsoft.com/office/drawing/2010/main" xmlns="" w="9525">
+                <a14:hiddenLine xmlns="" xmlns:a14="http://schemas.microsoft.com/office/drawing/2010/main" w="9525">
                   <a:solidFill>
                     <a:srgbClr val="000000"/>
                   </a:solidFill>
@@ -4107,7 +4107,7 @@
             </a:ln>
             <a:extLst>
               <a:ext uri="{91240B29-F687-4f45-9708-019B960494DF}">
-                <a14:hiddenLine xmlns:a14="http://schemas.microsoft.com/office/drawing/2010/main" xmlns="" w="9525">
+                <a14:hiddenLine xmlns="" xmlns:a14="http://schemas.microsoft.com/office/drawing/2010/main" w="9525">
                   <a:solidFill>
                     <a:srgbClr val="000000"/>
                   </a:solidFill>
@@ -4175,7 +4175,7 @@
             </a:ln>
             <a:extLst>
               <a:ext uri="{91240B29-F687-4f45-9708-019B960494DF}">
-                <a14:hiddenLine xmlns:a14="http://schemas.microsoft.com/office/drawing/2010/main" xmlns="" w="9525">
+                <a14:hiddenLine xmlns="" xmlns:a14="http://schemas.microsoft.com/office/drawing/2010/main" w="9525">
                   <a:solidFill>
                     <a:srgbClr val="000000"/>
                   </a:solidFill>
@@ -4265,7 +4265,7 @@
             </a:ln>
             <a:extLst>
               <a:ext uri="{91240B29-F687-4f45-9708-019B960494DF}">
-                <a14:hiddenLine xmlns:a14="http://schemas.microsoft.com/office/drawing/2010/main" xmlns="" w="9525">
+                <a14:hiddenLine xmlns="" xmlns:a14="http://schemas.microsoft.com/office/drawing/2010/main" w="9525">
                   <a:solidFill>
                     <a:srgbClr val="000000"/>
                   </a:solidFill>
@@ -9079,7 +9079,7 @@
           <a:noFill/>
           <a:extLst>
             <a:ext uri="{909E8E84-426E-40dd-AFC4-6F175D3DCCD1}">
-              <a14:hiddenFill xmlns:a14="http://schemas.microsoft.com/office/drawing/2010/main" xmlns="">
+              <a14:hiddenFill xmlns="" xmlns:a14="http://schemas.microsoft.com/office/drawing/2010/main">
                 <a:solidFill>
                   <a:srgbClr val="FFFFFF"/>
                 </a:solidFill>
@@ -9153,7 +9153,7 @@
               </a:ln>
               <a:extLst>
                 <a:ext uri="{91240B29-F687-4f45-9708-019B960494DF}">
-                  <a14:hiddenLine xmlns:a14="http://schemas.microsoft.com/office/drawing/2010/main" xmlns="" w="9525">
+                  <a14:hiddenLine xmlns="" xmlns:a14="http://schemas.microsoft.com/office/drawing/2010/main" w="9525">
                     <a:solidFill>
                       <a:srgbClr val="000000"/>
                     </a:solidFill>
@@ -9243,7 +9243,7 @@
               </a:ln>
               <a:extLst>
                 <a:ext uri="{91240B29-F687-4f45-9708-019B960494DF}">
-                  <a14:hiddenLine xmlns:a14="http://schemas.microsoft.com/office/drawing/2010/main" xmlns="" w="9525">
+                  <a14:hiddenLine xmlns="" xmlns:a14="http://schemas.microsoft.com/office/drawing/2010/main" w="9525">
                     <a:solidFill>
                       <a:srgbClr val="000000"/>
                     </a:solidFill>
@@ -9333,7 +9333,7 @@
               </a:ln>
               <a:extLst>
                 <a:ext uri="{91240B29-F687-4f45-9708-019B960494DF}">
-                  <a14:hiddenLine xmlns:a14="http://schemas.microsoft.com/office/drawing/2010/main" xmlns="" w="9525">
+                  <a14:hiddenLine xmlns="" xmlns:a14="http://schemas.microsoft.com/office/drawing/2010/main" w="9525">
                     <a:solidFill>
                       <a:srgbClr val="000000"/>
                     </a:solidFill>
@@ -9395,7 +9395,7 @@
               </a:ln>
               <a:extLst>
                 <a:ext uri="{91240B29-F687-4f45-9708-019B960494DF}">
-                  <a14:hiddenLine xmlns:a14="http://schemas.microsoft.com/office/drawing/2010/main" xmlns="" w="9525">
+                  <a14:hiddenLine xmlns="" xmlns:a14="http://schemas.microsoft.com/office/drawing/2010/main" w="9525">
                     <a:solidFill>
                       <a:srgbClr val="000000"/>
                     </a:solidFill>
@@ -9485,7 +9485,7 @@
               </a:ln>
               <a:extLst>
                 <a:ext uri="{91240B29-F687-4f45-9708-019B960494DF}">
-                  <a14:hiddenLine xmlns:a14="http://schemas.microsoft.com/office/drawing/2010/main" xmlns="" w="9525">
+                  <a14:hiddenLine xmlns="" xmlns:a14="http://schemas.microsoft.com/office/drawing/2010/main" w="9525">
                     <a:solidFill>
                       <a:srgbClr val="000000"/>
                     </a:solidFill>
@@ -9547,7 +9547,7 @@
               </a:ln>
               <a:extLst>
                 <a:ext uri="{91240B29-F687-4f45-9708-019B960494DF}">
-                  <a14:hiddenLine xmlns:a14="http://schemas.microsoft.com/office/drawing/2010/main" xmlns="" w="9525">
+                  <a14:hiddenLine xmlns="" xmlns:a14="http://schemas.microsoft.com/office/drawing/2010/main" w="9525">
                     <a:solidFill>
                       <a:srgbClr val="000000"/>
                     </a:solidFill>
@@ -9609,7 +9609,7 @@
               </a:ln>
               <a:extLst>
                 <a:ext uri="{91240B29-F687-4f45-9708-019B960494DF}">
-                  <a14:hiddenLine xmlns:a14="http://schemas.microsoft.com/office/drawing/2010/main" xmlns="" w="9525">
+                  <a14:hiddenLine xmlns="" xmlns:a14="http://schemas.microsoft.com/office/drawing/2010/main" w="9525">
                     <a:solidFill>
                       <a:srgbClr val="000000"/>
                     </a:solidFill>
@@ -9699,7 +9699,7 @@
               </a:ln>
               <a:extLst>
                 <a:ext uri="{91240B29-F687-4f45-9708-019B960494DF}">
-                  <a14:hiddenLine xmlns:a14="http://schemas.microsoft.com/office/drawing/2010/main" xmlns="" w="9525">
+                  <a14:hiddenLine xmlns="" xmlns:a14="http://schemas.microsoft.com/office/drawing/2010/main" w="9525">
                     <a:solidFill>
                       <a:srgbClr val="000000"/>
                     </a:solidFill>
@@ -9789,7 +9789,7 @@
               </a:ln>
               <a:extLst>
                 <a:ext uri="{91240B29-F687-4f45-9708-019B960494DF}">
-                  <a14:hiddenLine xmlns:a14="http://schemas.microsoft.com/office/drawing/2010/main" xmlns="" w="9525">
+                  <a14:hiddenLine xmlns="" xmlns:a14="http://schemas.microsoft.com/office/drawing/2010/main" w="9525">
                     <a:solidFill>
                       <a:srgbClr val="000000"/>
                     </a:solidFill>
@@ -9851,7 +9851,7 @@
               </a:ln>
               <a:extLst>
                 <a:ext uri="{91240B29-F687-4f45-9708-019B960494DF}">
-                  <a14:hiddenLine xmlns:a14="http://schemas.microsoft.com/office/drawing/2010/main" xmlns="" w="9525">
+                  <a14:hiddenLine xmlns="" xmlns:a14="http://schemas.microsoft.com/office/drawing/2010/main" w="9525">
                     <a:solidFill>
                       <a:srgbClr val="000000"/>
                     </a:solidFill>
@@ -9961,7 +9961,7 @@
               </a:ln>
               <a:extLst>
                 <a:ext uri="{91240B29-F687-4f45-9708-019B960494DF}">
-                  <a14:hiddenLine xmlns:a14="http://schemas.microsoft.com/office/drawing/2010/main" xmlns="" w="9525">
+                  <a14:hiddenLine xmlns="" xmlns:a14="http://schemas.microsoft.com/office/drawing/2010/main" w="9525">
                     <a:solidFill>
                       <a:srgbClr val="000000"/>
                     </a:solidFill>
@@ -10045,7 +10045,7 @@
               </a:ln>
               <a:extLst>
                 <a:ext uri="{91240B29-F687-4f45-9708-019B960494DF}">
-                  <a14:hiddenLine xmlns:a14="http://schemas.microsoft.com/office/drawing/2010/main" xmlns="" w="9525">
+                  <a14:hiddenLine xmlns="" xmlns:a14="http://schemas.microsoft.com/office/drawing/2010/main" w="9525">
                     <a:solidFill>
                       <a:srgbClr val="000000"/>
                     </a:solidFill>
@@ -10107,7 +10107,7 @@
               </a:ln>
               <a:extLst>
                 <a:ext uri="{91240B29-F687-4f45-9708-019B960494DF}">
-                  <a14:hiddenLine xmlns:a14="http://schemas.microsoft.com/office/drawing/2010/main" xmlns="" w="9525">
+                  <a14:hiddenLine xmlns="" xmlns:a14="http://schemas.microsoft.com/office/drawing/2010/main" w="9525">
                     <a:solidFill>
                       <a:srgbClr val="000000"/>
                     </a:solidFill>
@@ -10169,7 +10169,7 @@
               </a:ln>
               <a:extLst>
                 <a:ext uri="{91240B29-F687-4f45-9708-019B960494DF}">
-                  <a14:hiddenLine xmlns:a14="http://schemas.microsoft.com/office/drawing/2010/main" xmlns="" w="9525">
+                  <a14:hiddenLine xmlns="" xmlns:a14="http://schemas.microsoft.com/office/drawing/2010/main" w="9525">
                     <a:solidFill>
                       <a:srgbClr val="000000"/>
                     </a:solidFill>
@@ -10259,7 +10259,7 @@
               </a:ln>
               <a:extLst>
                 <a:ext uri="{91240B29-F687-4f45-9708-019B960494DF}">
-                  <a14:hiddenLine xmlns:a14="http://schemas.microsoft.com/office/drawing/2010/main" xmlns="" w="9525">
+                  <a14:hiddenLine xmlns="" xmlns:a14="http://schemas.microsoft.com/office/drawing/2010/main" w="9525">
                     <a:solidFill>
                       <a:srgbClr val="000000"/>
                     </a:solidFill>
@@ -10293,7 +10293,7 @@
               </a:ln>
               <a:extLst>
                 <a:ext uri="{91240B29-F687-4f45-9708-019B960494DF}">
-                  <a14:hiddenLine xmlns:a14="http://schemas.microsoft.com/office/drawing/2010/main" xmlns="" w="9525">
+                  <a14:hiddenLine xmlns="" xmlns:a14="http://schemas.microsoft.com/office/drawing/2010/main" w="9525">
                     <a:solidFill>
                       <a:srgbClr val="000000"/>
                     </a:solidFill>
@@ -10358,7 +10358,7 @@
               </a:ln>
               <a:extLst>
                 <a:ext uri="{91240B29-F687-4f45-9708-019B960494DF}">
-                  <a14:hiddenLine xmlns:a14="http://schemas.microsoft.com/office/drawing/2010/main" xmlns="" w="9525">
+                  <a14:hiddenLine xmlns="" xmlns:a14="http://schemas.microsoft.com/office/drawing/2010/main" w="9525">
                     <a:solidFill>
                       <a:srgbClr val="000000"/>
                     </a:solidFill>
@@ -10448,7 +10448,7 @@
               </a:ln>
               <a:extLst>
                 <a:ext uri="{91240B29-F687-4f45-9708-019B960494DF}">
-                  <a14:hiddenLine xmlns:a14="http://schemas.microsoft.com/office/drawing/2010/main" xmlns="" w="9525">
+                  <a14:hiddenLine xmlns="" xmlns:a14="http://schemas.microsoft.com/office/drawing/2010/main" w="9525">
                     <a:solidFill>
                       <a:srgbClr val="000000"/>
                     </a:solidFill>
@@ -10510,7 +10510,7 @@
               </a:ln>
               <a:extLst>
                 <a:ext uri="{91240B29-F687-4f45-9708-019B960494DF}">
-                  <a14:hiddenLine xmlns:a14="http://schemas.microsoft.com/office/drawing/2010/main" xmlns="" w="9525">
+                  <a14:hiddenLine xmlns="" xmlns:a14="http://schemas.microsoft.com/office/drawing/2010/main" w="9525">
                     <a:solidFill>
                       <a:srgbClr val="000000"/>
                     </a:solidFill>
@@ -10600,7 +10600,7 @@
               </a:ln>
               <a:extLst>
                 <a:ext uri="{91240B29-F687-4f45-9708-019B960494DF}">
-                  <a14:hiddenLine xmlns:a14="http://schemas.microsoft.com/office/drawing/2010/main" xmlns="" w="9525">
+                  <a14:hiddenLine xmlns="" xmlns:a14="http://schemas.microsoft.com/office/drawing/2010/main" w="9525">
                     <a:solidFill>
                       <a:srgbClr val="000000"/>
                     </a:solidFill>
@@ -10665,7 +10665,7 @@
               </a:ln>
               <a:extLst>
                 <a:ext uri="{91240B29-F687-4f45-9708-019B960494DF}">
-                  <a14:hiddenLine xmlns:a14="http://schemas.microsoft.com/office/drawing/2010/main" xmlns="" w="9525">
+                  <a14:hiddenLine xmlns="" xmlns:a14="http://schemas.microsoft.com/office/drawing/2010/main" w="9525">
                     <a:solidFill>
                       <a:srgbClr val="000000"/>
                     </a:solidFill>
@@ -10727,7 +10727,7 @@
               </a:ln>
               <a:extLst>
                 <a:ext uri="{91240B29-F687-4f45-9708-019B960494DF}">
-                  <a14:hiddenLine xmlns:a14="http://schemas.microsoft.com/office/drawing/2010/main" xmlns="" w="9525">
+                  <a14:hiddenLine xmlns="" xmlns:a14="http://schemas.microsoft.com/office/drawing/2010/main" w="9525">
                     <a:solidFill>
                       <a:srgbClr val="000000"/>
                     </a:solidFill>
@@ -10817,7 +10817,7 @@
               </a:ln>
               <a:extLst>
                 <a:ext uri="{91240B29-F687-4f45-9708-019B960494DF}">
-                  <a14:hiddenLine xmlns:a14="http://schemas.microsoft.com/office/drawing/2010/main" xmlns="" w="9525">
+                  <a14:hiddenLine xmlns="" xmlns:a14="http://schemas.microsoft.com/office/drawing/2010/main" w="9525">
                     <a:solidFill>
                       <a:srgbClr val="000000"/>
                     </a:solidFill>
@@ -10907,7 +10907,7 @@
               </a:ln>
               <a:extLst>
                 <a:ext uri="{91240B29-F687-4f45-9708-019B960494DF}">
-                  <a14:hiddenLine xmlns:a14="http://schemas.microsoft.com/office/drawing/2010/main" xmlns="" w="9525">
+                  <a14:hiddenLine xmlns="" xmlns:a14="http://schemas.microsoft.com/office/drawing/2010/main" w="9525">
                     <a:solidFill>
                       <a:srgbClr val="000000"/>
                     </a:solidFill>
@@ -10972,7 +10972,7 @@
               </a:ln>
               <a:extLst>
                 <a:ext uri="{91240B29-F687-4f45-9708-019B960494DF}">
-                  <a14:hiddenLine xmlns:a14="http://schemas.microsoft.com/office/drawing/2010/main" xmlns="" w="9525">
+                  <a14:hiddenLine xmlns="" xmlns:a14="http://schemas.microsoft.com/office/drawing/2010/main" w="9525">
                     <a:solidFill>
                       <a:srgbClr val="000000"/>
                     </a:solidFill>
@@ -11092,7 +11092,7 @@
               </a:ln>
               <a:extLst>
                 <a:ext uri="{91240B29-F687-4f45-9708-019B960494DF}">
-                  <a14:hiddenLine xmlns:a14="http://schemas.microsoft.com/office/drawing/2010/main" xmlns="" w="9525">
+                  <a14:hiddenLine xmlns="" xmlns:a14="http://schemas.microsoft.com/office/drawing/2010/main" w="9525">
                     <a:solidFill>
                       <a:srgbClr val="000000"/>
                     </a:solidFill>
@@ -11173,7 +11173,7 @@
               </a:ln>
               <a:extLst>
                 <a:ext uri="{91240B29-F687-4f45-9708-019B960494DF}">
-                  <a14:hiddenLine xmlns:a14="http://schemas.microsoft.com/office/drawing/2010/main" xmlns="" w="9525">
+                  <a14:hiddenLine xmlns="" xmlns:a14="http://schemas.microsoft.com/office/drawing/2010/main" w="9525">
                     <a:solidFill>
                       <a:srgbClr val="000000"/>
                     </a:solidFill>
@@ -11288,7 +11288,7 @@
               </a:ln>
               <a:extLst>
                 <a:ext uri="{91240B29-F687-4f45-9708-019B960494DF}">
-                  <a14:hiddenLine xmlns:a14="http://schemas.microsoft.com/office/drawing/2010/main" xmlns="" w="9525">
+                  <a14:hiddenLine xmlns="" xmlns:a14="http://schemas.microsoft.com/office/drawing/2010/main" w="9525">
                     <a:solidFill>
                       <a:srgbClr val="000000"/>
                     </a:solidFill>
@@ -11378,7 +11378,7 @@
               </a:ln>
               <a:extLst>
                 <a:ext uri="{91240B29-F687-4f45-9708-019B960494DF}">
-                  <a14:hiddenLine xmlns:a14="http://schemas.microsoft.com/office/drawing/2010/main" xmlns="" w="9525">
+                  <a14:hiddenLine xmlns="" xmlns:a14="http://schemas.microsoft.com/office/drawing/2010/main" w="9525">
                     <a:solidFill>
                       <a:srgbClr val="000000"/>
                     </a:solidFill>
@@ -11443,7 +11443,7 @@
               </a:ln>
               <a:extLst>
                 <a:ext uri="{91240B29-F687-4f45-9708-019B960494DF}">
-                  <a14:hiddenLine xmlns:a14="http://schemas.microsoft.com/office/drawing/2010/main" xmlns="" w="9525">
+                  <a14:hiddenLine xmlns="" xmlns:a14="http://schemas.microsoft.com/office/drawing/2010/main" w="9525">
                     <a:solidFill>
                       <a:srgbClr val="000000"/>
                     </a:solidFill>
@@ -11533,7 +11533,7 @@
               </a:ln>
               <a:extLst>
                 <a:ext uri="{91240B29-F687-4f45-9708-019B960494DF}">
-                  <a14:hiddenLine xmlns:a14="http://schemas.microsoft.com/office/drawing/2010/main" xmlns="" w="9525">
+                  <a14:hiddenLine xmlns="" xmlns:a14="http://schemas.microsoft.com/office/drawing/2010/main" w="9525">
                     <a:solidFill>
                       <a:srgbClr val="000000"/>
                     </a:solidFill>
@@ -11601,7 +11601,7 @@
               </a:ln>
               <a:extLst>
                 <a:ext uri="{91240B29-F687-4f45-9708-019B960494DF}">
-                  <a14:hiddenLine xmlns:a14="http://schemas.microsoft.com/office/drawing/2010/main" xmlns="" w="9525">
+                  <a14:hiddenLine xmlns="" xmlns:a14="http://schemas.microsoft.com/office/drawing/2010/main" w="9525">
                     <a:solidFill>
                       <a:srgbClr val="000000"/>
                     </a:solidFill>
@@ -11691,7 +11691,7 @@
               </a:ln>
               <a:extLst>
                 <a:ext uri="{91240B29-F687-4f45-9708-019B960494DF}">
-                  <a14:hiddenLine xmlns:a14="http://schemas.microsoft.com/office/drawing/2010/main" xmlns="" w="9525">
+                  <a14:hiddenLine xmlns="" xmlns:a14="http://schemas.microsoft.com/office/drawing/2010/main" w="9525">
                     <a:solidFill>
                       <a:srgbClr val="000000"/>
                     </a:solidFill>
@@ -11759,7 +11759,7 @@
               </a:ln>
               <a:extLst>
                 <a:ext uri="{91240B29-F687-4f45-9708-019B960494DF}">
-                  <a14:hiddenLine xmlns:a14="http://schemas.microsoft.com/office/drawing/2010/main" xmlns="" w="9525">
+                  <a14:hiddenLine xmlns="" xmlns:a14="http://schemas.microsoft.com/office/drawing/2010/main" w="9525">
                     <a:solidFill>
                       <a:srgbClr val="000000"/>
                     </a:solidFill>
@@ -11849,7 +11849,7 @@
               </a:ln>
               <a:extLst>
                 <a:ext uri="{91240B29-F687-4f45-9708-019B960494DF}">
-                  <a14:hiddenLine xmlns:a14="http://schemas.microsoft.com/office/drawing/2010/main" xmlns="" w="9525">
+                  <a14:hiddenLine xmlns="" xmlns:a14="http://schemas.microsoft.com/office/drawing/2010/main" w="9525">
                     <a:solidFill>
                       <a:srgbClr val="000000"/>
                     </a:solidFill>
@@ -11883,7 +11883,7 @@
               </a:ln>
               <a:extLst>
                 <a:ext uri="{91240B29-F687-4f45-9708-019B960494DF}">
-                  <a14:hiddenLine xmlns:a14="http://schemas.microsoft.com/office/drawing/2010/main" xmlns="" w="9525">
+                  <a14:hiddenLine xmlns="" xmlns:a14="http://schemas.microsoft.com/office/drawing/2010/main" w="9525">
                     <a:solidFill>
                       <a:srgbClr val="000000"/>
                     </a:solidFill>
@@ -12464,7 +12464,10 @@
           <a:bodyPr/>
           <a:lstStyle/>
           <a:p>
-            <a:endParaRPr lang="en-US" dirty="0"/>
+            <a:r>
+              <a:rPr lang="en-US" dirty="0"/>
+              <a:t>Automated Credential Theft</a:t>
+            </a:r>
           </a:p>
         </p:txBody>
       </p:sp>
@@ -13149,7 +13152,7 @@
                 <a:latin typeface="Times New Roman" panose="02020603050405020304" pitchFamily="18" charset="0"/>
                 <a:cs typeface="Times New Roman" panose="02020603050405020304" pitchFamily="18" charset="0"/>
               </a:rPr>
-              <a:t>What Is Soft AP? Rogue AP? Evil Twin?</a:t>
+              <a:t>What Is Evil Twin?</a:t>
             </a:r>
           </a:p>
         </p:txBody>
@@ -13174,18 +13177,6 @@
         <p:txBody>
           <a:bodyPr/>
           <a:lstStyle/>
-          <a:p>
-            <a:r>
-              <a:rPr lang="en-US" dirty="0"/>
-              <a:t>A “soft access point” can be set up on a Wi-Fi adapter. It enables a computer which hasn’t been specially made to be a router into a wireless access point. </a:t>
-            </a:r>
-          </a:p>
-          <a:p>
-            <a:r>
-              <a:rPr lang="en-US" dirty="0"/>
-              <a:t>A “rogue access point” is a wireless access point that has been installed on a secure network without explicit authorization from a local network administrator. </a:t>
-            </a:r>
-          </a:p>
           <a:p>
             <a:r>
               <a:rPr lang="en-US" dirty="0"/>
@@ -13247,7 +13238,7 @@
           <a:p>
             <a:r>
               <a:rPr lang="en-US" dirty="0"/>
-              <a:t>How to set up a fake access point?</a:t>
+              <a:t>What we used:</a:t>
             </a:r>
           </a:p>
         </p:txBody>
@@ -13295,7 +13286,7 @@
         <p:spPr>
           <a:xfrm>
             <a:off x="1141413" y="1959382"/>
-            <a:ext cx="5985520" cy="3754874"/>
+            <a:ext cx="5688012" cy="4616648"/>
           </a:xfrm>
           <a:prstGeom prst="rect">
             <a:avLst/>
@@ -13309,10 +13300,10 @@
           <a:lstStyle/>
           <a:p>
             <a:r>
-              <a:rPr lang="en-US" sz="2800" b="1" dirty="0" err="1"/>
+              <a:rPr lang="en-US" sz="2000" b="1" dirty="0" err="1"/>
               <a:t>Hostapd</a:t>
             </a:r>
-            <a:endParaRPr lang="en-US" sz="2800" dirty="0"/>
+            <a:endParaRPr lang="en-US" sz="2000" dirty="0"/>
           </a:p>
           <a:p>
             <a:r>
@@ -13321,15 +13312,15 @@
             </a:r>
           </a:p>
           <a:p>
-            <a:endParaRPr lang="en-US" dirty="0"/>
+            <a:endParaRPr lang="en-US" sz="2000" dirty="0"/>
           </a:p>
           <a:p>
             <a:pPr fontAlgn="base"/>
             <a:r>
-              <a:rPr lang="en-US" sz="2800" b="1" dirty="0" err="1"/>
+              <a:rPr lang="en-US" sz="2000" b="1" dirty="0" err="1"/>
               <a:t>Dnsmasq</a:t>
             </a:r>
-            <a:endParaRPr lang="en-US" sz="2800" b="1" dirty="0"/>
+            <a:endParaRPr lang="en-US" sz="2000" b="1" dirty="0"/>
           </a:p>
           <a:p>
             <a:pPr fontAlgn="base"/>
@@ -13347,20 +13338,52 @@
             </a:r>
           </a:p>
           <a:p>
-            <a:endParaRPr lang="en-US" dirty="0"/>
+            <a:endParaRPr lang="en-US" sz="2000" dirty="0"/>
           </a:p>
           <a:p>
             <a:pPr fontAlgn="base"/>
             <a:r>
-              <a:rPr lang="en-US" sz="2800" b="1" dirty="0"/>
+              <a:rPr lang="en-US" sz="2000" b="1" dirty="0"/>
               <a:t>Apache</a:t>
             </a:r>
           </a:p>
           <a:p>
             <a:r>
               <a:rPr lang="en-US" sz="2000" dirty="0"/>
-              <a:t>Basically, it acts as a web server to the victim. </a:t>
-            </a:r>
+              <a:t>Runs our fake website that users get redirected to locally.</a:t>
+            </a:r>
+          </a:p>
+          <a:p>
+            <a:endParaRPr lang="en-US" sz="2000" dirty="0"/>
+          </a:p>
+          <a:p>
+            <a:r>
+              <a:rPr lang="en-US" sz="2000" dirty="0" err="1"/>
+              <a:t>Airodump</a:t>
+            </a:r>
+            <a:r>
+              <a:rPr lang="en-US" sz="2000" dirty="0"/>
+              <a:t>-ng, </a:t>
+            </a:r>
+            <a:r>
+              <a:rPr lang="en-US" sz="2000" dirty="0" err="1"/>
+              <a:t>Airmon</a:t>
+            </a:r>
+            <a:r>
+              <a:rPr lang="en-US" sz="2000" dirty="0"/>
+              <a:t>-ng, </a:t>
+            </a:r>
+            <a:r>
+              <a:rPr lang="en-US" sz="2000" dirty="0" err="1"/>
+              <a:t>Aireplay</a:t>
+            </a:r>
+            <a:r>
+              <a:rPr lang="en-US" sz="2000" dirty="0"/>
+              <a:t>-ng</a:t>
+            </a:r>
+          </a:p>
+          <a:p>
+            <a:endParaRPr lang="en-US" sz="1600" dirty="0"/>
           </a:p>
           <a:p>
             <a:endParaRPr lang="en-US" dirty="0"/>

--- a/Presentation.pptx
+++ b/Presentation.pptx
@@ -9,8 +9,8 @@
   </p:notesMasterIdLst>
   <p:sldIdLst>
     <p:sldId id="256" r:id="rId2"/>
-    <p:sldId id="257" r:id="rId3"/>
-    <p:sldId id="258" r:id="rId4"/>
+    <p:sldId id="258" r:id="rId3"/>
+    <p:sldId id="257" r:id="rId4"/>
     <p:sldId id="260" r:id="rId5"/>
     <p:sldId id="259" r:id="rId6"/>
     <p:sldId id="261" r:id="rId7"/>
@@ -258,6 +258,11 @@
       </a:defRPr>
     </a:lvl9pPr>
   </p:defaultTextStyle>
+  <p:extLst>
+    <p:ext uri="{EFAFB233-063F-42B5-8137-9DF3F51BA10A}">
+      <p15:sldGuideLst xmlns:p15="http://schemas.microsoft.com/office/powerpoint/2012/main"/>
+    </p:ext>
+  </p:extLst>
 </p:presentation>
 </file>
 
@@ -1137,7 +1142,7 @@
   <p:cSld>
     <p:spTree>
       <p:nvGrpSpPr>
-        <p:cNvPr id="1" name="Shape 238"/>
+        <p:cNvPr id="1" name="Shape 246"/>
         <p:cNvGrpSpPr/>
         <p:nvPr/>
       </p:nvGrpSpPr>
@@ -1151,7 +1156,7 @@
       </p:grpSpPr>
       <p:sp>
         <p:nvSpPr>
-          <p:cNvPr id="239" name="Shape 239"/>
+          <p:cNvPr id="247" name="Shape 247"/>
           <p:cNvSpPr txBox="1">
             <a:spLocks noGrp="1"/>
           </p:cNvSpPr>
@@ -1193,7 +1198,7 @@
       </p:sp>
       <p:sp>
         <p:nvSpPr>
-          <p:cNvPr id="240" name="Shape 240"/>
+          <p:cNvPr id="248" name="Shape 248"/>
           <p:cNvSpPr>
             <a:spLocks noGrp="1" noRot="1" noChangeAspect="1"/>
           </p:cNvSpPr>
@@ -1245,7 +1250,7 @@
   <p:cSld>
     <p:spTree>
       <p:nvGrpSpPr>
-        <p:cNvPr id="1" name="Shape 246"/>
+        <p:cNvPr id="1" name="Shape 238"/>
         <p:cNvGrpSpPr/>
         <p:nvPr/>
       </p:nvGrpSpPr>
@@ -1259,7 +1264,7 @@
       </p:grpSpPr>
       <p:sp>
         <p:nvSpPr>
-          <p:cNvPr id="247" name="Shape 247"/>
+          <p:cNvPr id="239" name="Shape 239"/>
           <p:cNvSpPr txBox="1">
             <a:spLocks noGrp="1"/>
           </p:cNvSpPr>
@@ -1301,7 +1306,7 @@
       </p:sp>
       <p:sp>
         <p:nvSpPr>
-          <p:cNvPr id="248" name="Shape 248"/>
+          <p:cNvPr id="240" name="Shape 240"/>
           <p:cNvSpPr>
             <a:spLocks noGrp="1" noRot="1" noChangeAspect="1"/>
           </p:cNvSpPr>
@@ -33868,8 +33873,8 @@
         </p:nvSpPr>
         <p:spPr>
           <a:xfrm>
-            <a:off x="1876424" y="2137558"/>
-            <a:ext cx="8791575" cy="1039895"/>
+            <a:off x="2501491" y="2137558"/>
+            <a:ext cx="7010399" cy="1039895"/>
           </a:xfrm>
           <a:prstGeom prst="rect">
             <a:avLst/>
@@ -33903,10 +33908,10 @@
               <a:buNone/>
             </a:pPr>
             <a:r>
-              <a:rPr lang="en-US" sz="5400" dirty="0">
+              <a:rPr lang="en-US" sz="5400">
                 <a:latin typeface="Tw Cen MT" panose="020B0602020104020603" pitchFamily="34" charset="77"/>
               </a:rPr>
-              <a:t>ETHICAL HACKING PROJECT</a:t>
+              <a:t>Evil Narwhal</a:t>
             </a:r>
             <a:endParaRPr sz="5400" dirty="0">
               <a:latin typeface="Tw Cen MT" panose="020B0602020104020603" pitchFamily="34" charset="77"/>
@@ -34198,29 +34203,32 @@
       </p:sp>
       <p:pic>
         <p:nvPicPr>
-          <p:cNvPr id="237" name="Shape 237"/>
-          <p:cNvPicPr preferRelativeResize="0"/>
+          <p:cNvPr id="3" name="Picture 2">
+            <a:extLst>
+              <a:ext uri="{FF2B5EF4-FFF2-40B4-BE49-F238E27FC236}">
+                <a16:creationId xmlns:a16="http://schemas.microsoft.com/office/drawing/2014/main" id="{FA07900B-1576-F049-98D0-27E9CF6C8E4C}"/>
+              </a:ext>
+            </a:extLst>
+          </p:cNvPr>
+          <p:cNvPicPr>
+            <a:picLocks noChangeAspect="1"/>
+          </p:cNvPicPr>
           <p:nvPr/>
         </p:nvPicPr>
-        <p:blipFill rotWithShape="1">
-          <a:blip r:embed="rId3">
-            <a:alphaModFix/>
-          </a:blip>
-          <a:srcRect/>
-          <a:stretch/>
+        <p:blipFill>
+          <a:blip r:embed="rId3"/>
+          <a:stretch>
+            <a:fillRect/>
+          </a:stretch>
         </p:blipFill>
         <p:spPr>
           <a:xfrm>
-            <a:off x="2829988" y="4718068"/>
-            <a:ext cx="3114415" cy="1658668"/>
+            <a:off x="2978563" y="4322617"/>
+            <a:ext cx="3056380" cy="1627761"/>
           </a:xfrm>
           <a:prstGeom prst="rect">
             <a:avLst/>
           </a:prstGeom>
-          <a:noFill/>
-          <a:ln>
-            <a:noFill/>
-          </a:ln>
         </p:spPr>
       </p:pic>
     </p:spTree>
@@ -34822,6 +34830,192 @@
   <p:cSld>
     <p:spTree>
       <p:nvGrpSpPr>
+        <p:cNvPr id="1" name="Shape 249"/>
+        <p:cNvGrpSpPr/>
+        <p:nvPr/>
+      </p:nvGrpSpPr>
+      <p:grpSpPr>
+        <a:xfrm>
+          <a:off x="0" y="0"/>
+          <a:ext cx="0" cy="0"/>
+          <a:chOff x="0" y="0"/>
+          <a:chExt cx="0" cy="0"/>
+        </a:xfrm>
+      </p:grpSpPr>
+      <p:sp>
+        <p:nvSpPr>
+          <p:cNvPr id="250" name="Shape 250"/>
+          <p:cNvSpPr txBox="1">
+            <a:spLocks noGrp="1"/>
+          </p:cNvSpPr>
+          <p:nvPr>
+            <p:ph type="title"/>
+          </p:nvPr>
+        </p:nvSpPr>
+        <p:spPr>
+          <a:xfrm>
+            <a:off x="1448527" y="903070"/>
+            <a:ext cx="4974379" cy="1478570"/>
+          </a:xfrm>
+          <a:prstGeom prst="rect">
+            <a:avLst/>
+          </a:prstGeom>
+          <a:noFill/>
+          <a:ln>
+            <a:noFill/>
+          </a:ln>
+        </p:spPr>
+        <p:txBody>
+          <a:bodyPr spcFirstLastPara="1" wrap="square" lIns="91425" tIns="45700" rIns="91425" bIns="45700" anchor="ctr" anchorCtr="0">
+            <a:noAutofit/>
+          </a:bodyPr>
+          <a:lstStyle/>
+          <a:p>
+            <a:pPr marL="0" marR="0" lvl="0" indent="0" algn="l" rtl="0">
+              <a:lnSpc>
+                <a:spcPct val="90000"/>
+              </a:lnSpc>
+              <a:spcBef>
+                <a:spcPts val="0"/>
+              </a:spcBef>
+              <a:spcAft>
+                <a:spcPts val="0"/>
+              </a:spcAft>
+              <a:buClr>
+                <a:schemeClr val="lt1"/>
+              </a:buClr>
+              <a:buSzPts val="3600"/>
+              <a:buFont typeface="Times New Roman"/>
+              <a:buNone/>
+            </a:pPr>
+            <a:r>
+              <a:rPr lang="en-US" sz="4400" b="0" i="0" u="none" strike="noStrike" cap="none" dirty="0">
+                <a:solidFill>
+                  <a:schemeClr val="lt1"/>
+                </a:solidFill>
+                <a:latin typeface="Tw Cen MT" panose="020B0602020104020603" pitchFamily="34" charset="77"/>
+                <a:ea typeface="Times New Roman"/>
+                <a:cs typeface="Times New Roman"/>
+                <a:sym typeface="Times New Roman"/>
+              </a:rPr>
+              <a:t>What Is Evil Twin?</a:t>
+            </a:r>
+            <a:endParaRPr sz="4400" dirty="0">
+              <a:latin typeface="Tw Cen MT" panose="020B0602020104020603" pitchFamily="34" charset="77"/>
+            </a:endParaRPr>
+          </a:p>
+        </p:txBody>
+      </p:sp>
+      <p:sp>
+        <p:nvSpPr>
+          <p:cNvPr id="251" name="Shape 251"/>
+          <p:cNvSpPr txBox="1">
+            <a:spLocks noGrp="1"/>
+          </p:cNvSpPr>
+          <p:nvPr>
+            <p:ph type="body" idx="1"/>
+          </p:nvPr>
+        </p:nvSpPr>
+        <p:spPr>
+          <a:xfrm>
+            <a:off x="1448526" y="2381640"/>
+            <a:ext cx="8441062" cy="2350649"/>
+          </a:xfrm>
+          <a:prstGeom prst="rect">
+            <a:avLst/>
+          </a:prstGeom>
+          <a:noFill/>
+          <a:ln>
+            <a:noFill/>
+          </a:ln>
+        </p:spPr>
+        <p:txBody>
+          <a:bodyPr spcFirstLastPara="1" wrap="square" lIns="91425" tIns="45700" rIns="91425" bIns="45700" anchor="t" anchorCtr="0">
+            <a:noAutofit/>
+          </a:bodyPr>
+          <a:lstStyle/>
+          <a:p>
+            <a:pPr marL="228600" marR="0" lvl="0" indent="-228600" algn="l" rtl="0">
+              <a:lnSpc>
+                <a:spcPct val="120000"/>
+              </a:lnSpc>
+              <a:spcBef>
+                <a:spcPts val="0"/>
+              </a:spcBef>
+              <a:spcAft>
+                <a:spcPts val="0"/>
+              </a:spcAft>
+              <a:buClr>
+                <a:schemeClr val="lt1"/>
+              </a:buClr>
+              <a:buSzPts val="3000"/>
+              <a:buFont typeface="Arial"/>
+              <a:buChar char="•"/>
+            </a:pPr>
+            <a:r>
+              <a:rPr lang="en-US" sz="2800" b="0" i="0" u="none" strike="noStrike" cap="none" dirty="0">
+                <a:solidFill>
+                  <a:schemeClr val="lt1"/>
+                </a:solidFill>
+                <a:latin typeface="Tw Cen MT" panose="020B0602020104020603" pitchFamily="34" charset="77"/>
+                <a:sym typeface="Questrial"/>
+              </a:rPr>
+              <a:t>An “evil twin” is a kind of rogue AP. It is a fraudulent Wi-Fi access point, which tries to hook clients to connect to the fake network to steal information.</a:t>
+            </a:r>
+            <a:endParaRPr sz="2800" dirty="0">
+              <a:latin typeface="Tw Cen MT" panose="020B0602020104020603" pitchFamily="34" charset="77"/>
+            </a:endParaRPr>
+          </a:p>
+        </p:txBody>
+      </p:sp>
+      <p:pic>
+        <p:nvPicPr>
+          <p:cNvPr id="6" name="Shape 257">
+            <a:extLst>
+              <a:ext uri="{FF2B5EF4-FFF2-40B4-BE49-F238E27FC236}">
+                <a16:creationId xmlns:a16="http://schemas.microsoft.com/office/drawing/2014/main" id="{E4DE4379-0EBD-D44B-ACE8-619452A60F55}"/>
+              </a:ext>
+            </a:extLst>
+          </p:cNvPr>
+          <p:cNvPicPr preferRelativeResize="0">
+            <a:picLocks/>
+          </p:cNvPicPr>
+          <p:nvPr/>
+        </p:nvPicPr>
+        <p:blipFill rotWithShape="1">
+          <a:blip r:embed="rId3">
+            <a:alphaModFix/>
+          </a:blip>
+          <a:srcRect l="11467" t="9962" r="20212" b="7225"/>
+          <a:stretch/>
+        </p:blipFill>
+        <p:spPr>
+          <a:xfrm>
+            <a:off x="7976380" y="3687829"/>
+            <a:ext cx="2958995" cy="2539086"/>
+          </a:xfrm>
+          <a:prstGeom prst="rect">
+            <a:avLst/>
+          </a:prstGeom>
+          <a:noFill/>
+          <a:ln>
+            <a:noFill/>
+          </a:ln>
+        </p:spPr>
+      </p:pic>
+    </p:spTree>
+  </p:cSld>
+  <p:clrMapOvr>
+    <a:masterClrMapping/>
+  </p:clrMapOvr>
+</p:sld>
+</file>
+
+<file path=ppt/slides/slide3.xml><?xml version="1.0" encoding="utf-8"?>
+<p:sld xmlns:a="http://schemas.openxmlformats.org/drawingml/2006/main" xmlns:r="http://schemas.openxmlformats.org/officeDocument/2006/relationships" xmlns:p="http://schemas.openxmlformats.org/presentationml/2006/main">
+  <p:cSld>
+    <p:spTree>
+      <p:nvGrpSpPr>
         <p:cNvPr id="1" name="Shape 241"/>
         <p:cNvGrpSpPr/>
         <p:nvPr/>
@@ -35032,192 +35226,6 @@
           </a:p>
         </p:txBody>
       </p:sp>
-    </p:spTree>
-  </p:cSld>
-  <p:clrMapOvr>
-    <a:masterClrMapping/>
-  </p:clrMapOvr>
-</p:sld>
-</file>
-
-<file path=ppt/slides/slide3.xml><?xml version="1.0" encoding="utf-8"?>
-<p:sld xmlns:a="http://schemas.openxmlformats.org/drawingml/2006/main" xmlns:r="http://schemas.openxmlformats.org/officeDocument/2006/relationships" xmlns:p="http://schemas.openxmlformats.org/presentationml/2006/main">
-  <p:cSld>
-    <p:spTree>
-      <p:nvGrpSpPr>
-        <p:cNvPr id="1" name="Shape 249"/>
-        <p:cNvGrpSpPr/>
-        <p:nvPr/>
-      </p:nvGrpSpPr>
-      <p:grpSpPr>
-        <a:xfrm>
-          <a:off x="0" y="0"/>
-          <a:ext cx="0" cy="0"/>
-          <a:chOff x="0" y="0"/>
-          <a:chExt cx="0" cy="0"/>
-        </a:xfrm>
-      </p:grpSpPr>
-      <p:sp>
-        <p:nvSpPr>
-          <p:cNvPr id="250" name="Shape 250"/>
-          <p:cNvSpPr txBox="1">
-            <a:spLocks noGrp="1"/>
-          </p:cNvSpPr>
-          <p:nvPr>
-            <p:ph type="title"/>
-          </p:nvPr>
-        </p:nvSpPr>
-        <p:spPr>
-          <a:xfrm>
-            <a:off x="1448527" y="903070"/>
-            <a:ext cx="4974379" cy="1478570"/>
-          </a:xfrm>
-          <a:prstGeom prst="rect">
-            <a:avLst/>
-          </a:prstGeom>
-          <a:noFill/>
-          <a:ln>
-            <a:noFill/>
-          </a:ln>
-        </p:spPr>
-        <p:txBody>
-          <a:bodyPr spcFirstLastPara="1" wrap="square" lIns="91425" tIns="45700" rIns="91425" bIns="45700" anchor="ctr" anchorCtr="0">
-            <a:noAutofit/>
-          </a:bodyPr>
-          <a:lstStyle/>
-          <a:p>
-            <a:pPr marL="0" marR="0" lvl="0" indent="0" algn="l" rtl="0">
-              <a:lnSpc>
-                <a:spcPct val="90000"/>
-              </a:lnSpc>
-              <a:spcBef>
-                <a:spcPts val="0"/>
-              </a:spcBef>
-              <a:spcAft>
-                <a:spcPts val="0"/>
-              </a:spcAft>
-              <a:buClr>
-                <a:schemeClr val="lt1"/>
-              </a:buClr>
-              <a:buSzPts val="3600"/>
-              <a:buFont typeface="Times New Roman"/>
-              <a:buNone/>
-            </a:pPr>
-            <a:r>
-              <a:rPr lang="en-US" sz="4400" b="0" i="0" u="none" strike="noStrike" cap="none" dirty="0">
-                <a:solidFill>
-                  <a:schemeClr val="lt1"/>
-                </a:solidFill>
-                <a:latin typeface="Tw Cen MT" panose="020B0602020104020603" pitchFamily="34" charset="77"/>
-                <a:ea typeface="Times New Roman"/>
-                <a:cs typeface="Times New Roman"/>
-                <a:sym typeface="Times New Roman"/>
-              </a:rPr>
-              <a:t>What Is Evil Twin?</a:t>
-            </a:r>
-            <a:endParaRPr sz="4400" dirty="0">
-              <a:latin typeface="Tw Cen MT" panose="020B0602020104020603" pitchFamily="34" charset="77"/>
-            </a:endParaRPr>
-          </a:p>
-        </p:txBody>
-      </p:sp>
-      <p:sp>
-        <p:nvSpPr>
-          <p:cNvPr id="251" name="Shape 251"/>
-          <p:cNvSpPr txBox="1">
-            <a:spLocks noGrp="1"/>
-          </p:cNvSpPr>
-          <p:nvPr>
-            <p:ph type="body" idx="1"/>
-          </p:nvPr>
-        </p:nvSpPr>
-        <p:spPr>
-          <a:xfrm>
-            <a:off x="1448526" y="2381640"/>
-            <a:ext cx="8441062" cy="2350649"/>
-          </a:xfrm>
-          <a:prstGeom prst="rect">
-            <a:avLst/>
-          </a:prstGeom>
-          <a:noFill/>
-          <a:ln>
-            <a:noFill/>
-          </a:ln>
-        </p:spPr>
-        <p:txBody>
-          <a:bodyPr spcFirstLastPara="1" wrap="square" lIns="91425" tIns="45700" rIns="91425" bIns="45700" anchor="t" anchorCtr="0">
-            <a:noAutofit/>
-          </a:bodyPr>
-          <a:lstStyle/>
-          <a:p>
-            <a:pPr marL="228600" marR="0" lvl="0" indent="-228600" algn="l" rtl="0">
-              <a:lnSpc>
-                <a:spcPct val="120000"/>
-              </a:lnSpc>
-              <a:spcBef>
-                <a:spcPts val="0"/>
-              </a:spcBef>
-              <a:spcAft>
-                <a:spcPts val="0"/>
-              </a:spcAft>
-              <a:buClr>
-                <a:schemeClr val="lt1"/>
-              </a:buClr>
-              <a:buSzPts val="3000"/>
-              <a:buFont typeface="Arial"/>
-              <a:buChar char="•"/>
-            </a:pPr>
-            <a:r>
-              <a:rPr lang="en-US" sz="2800" b="0" i="0" u="none" strike="noStrike" cap="none" dirty="0">
-                <a:solidFill>
-                  <a:schemeClr val="lt1"/>
-                </a:solidFill>
-                <a:latin typeface="Tw Cen MT" panose="020B0602020104020603" pitchFamily="34" charset="77"/>
-                <a:sym typeface="Questrial"/>
-              </a:rPr>
-              <a:t>An “evil twin” is a kind of rogue AP. It is a fraudulent Wi-Fi access point, which tries to hook clients to connect to the fake network to steal information.</a:t>
-            </a:r>
-            <a:endParaRPr sz="2800" dirty="0">
-              <a:latin typeface="Tw Cen MT" panose="020B0602020104020603" pitchFamily="34" charset="77"/>
-            </a:endParaRPr>
-          </a:p>
-        </p:txBody>
-      </p:sp>
-      <p:pic>
-        <p:nvPicPr>
-          <p:cNvPr id="6" name="Shape 257">
-            <a:extLst>
-              <a:ext uri="{FF2B5EF4-FFF2-40B4-BE49-F238E27FC236}">
-                <a16:creationId xmlns:a16="http://schemas.microsoft.com/office/drawing/2014/main" id="{E4DE4379-0EBD-D44B-ACE8-619452A60F55}"/>
-              </a:ext>
-            </a:extLst>
-          </p:cNvPr>
-          <p:cNvPicPr preferRelativeResize="0">
-            <a:picLocks/>
-          </p:cNvPicPr>
-          <p:nvPr/>
-        </p:nvPicPr>
-        <p:blipFill rotWithShape="1">
-          <a:blip r:embed="rId3">
-            <a:alphaModFix/>
-          </a:blip>
-          <a:srcRect l="11467" t="9962" r="20212" b="7225"/>
-          <a:stretch/>
-        </p:blipFill>
-        <p:spPr>
-          <a:xfrm>
-            <a:off x="7976380" y="3687829"/>
-            <a:ext cx="2958995" cy="2539086"/>
-          </a:xfrm>
-          <a:prstGeom prst="rect">
-            <a:avLst/>
-          </a:prstGeom>
-          <a:noFill/>
-          <a:ln>
-            <a:noFill/>
-          </a:ln>
-        </p:spPr>
-      </p:pic>
     </p:spTree>
   </p:cSld>
   <p:clrMapOvr>
@@ -36347,6 +36355,37 @@
                 <a:sym typeface="Questrial"/>
               </a:rPr>
               <a:t>Configure iptables to reroute traffic</a:t>
+            </a:r>
+          </a:p>
+          <a:p>
+            <a:pPr marL="228600" marR="0" lvl="0" indent="-228600" algn="l" rtl="0">
+              <a:lnSpc>
+                <a:spcPct val="120000"/>
+              </a:lnSpc>
+              <a:spcBef>
+                <a:spcPts val="1000"/>
+              </a:spcBef>
+              <a:spcAft>
+                <a:spcPts val="0"/>
+              </a:spcAft>
+              <a:buClr>
+                <a:schemeClr val="lt1"/>
+              </a:buClr>
+              <a:buSzPts val="3000"/>
+              <a:buFont typeface="Arial"/>
+              <a:buChar char="•"/>
+            </a:pPr>
+            <a:r>
+              <a:rPr lang="en-US" sz="2800" dirty="0" err="1">
+                <a:latin typeface="Tw Cen MT" panose="020B0602020104020603" pitchFamily="34" charset="77"/>
+              </a:rPr>
+              <a:t>Deauth</a:t>
+            </a:r>
+            <a:r>
+              <a:rPr lang="en-US" sz="2800" dirty="0">
+                <a:latin typeface="Tw Cen MT" panose="020B0602020104020603" pitchFamily="34" charset="77"/>
+              </a:rPr>
+              <a:t> user from real access point</a:t>
             </a:r>
             <a:endParaRPr sz="2800" dirty="0">
               <a:latin typeface="Tw Cen MT" panose="020B0602020104020603" pitchFamily="34" charset="77"/>
